--- a/ACL_2015_figure_dongdaxiang.pptx
+++ b/ACL_2015_figure_dongdaxiang.pptx
@@ -513,7 +513,7 @@
           <a:graphicData uri="http://schemas.openxmlformats.org/presentationml/2006/ole">
             <mc:AlternateContent xmlns:mc="http://schemas.openxmlformats.org/markup-compatibility/2006">
               <mc:Choice xmlns:v="urn:schemas-microsoft-com:vml" Requires="v">
-                <p:oleObj spid="_x0000_s2106" name="think-cell Slide" r:id="rId4" imgW="270" imgH="270" progId="TCLayout.ActiveDocument.1">
+                <p:oleObj spid="_x0000_s2109" name="think-cell Slide" r:id="rId4" imgW="270" imgH="270" progId="TCLayout.ActiveDocument.1">
                   <p:embed/>
                 </p:oleObj>
               </mc:Choice>
@@ -648,7 +648,7 @@
           <a:graphicData uri="http://schemas.openxmlformats.org/presentationml/2006/ole">
             <mc:AlternateContent xmlns:mc="http://schemas.openxmlformats.org/markup-compatibility/2006">
               <mc:Choice xmlns:v="urn:schemas-microsoft-com:vml" Requires="v">
-                <p:oleObj spid="_x0000_s3130" name="think-cell Slide" r:id="rId4" imgW="270" imgH="270" progId="TCLayout.ActiveDocument.1">
+                <p:oleObj spid="_x0000_s3133" name="think-cell Slide" r:id="rId4" imgW="270" imgH="270" progId="TCLayout.ActiveDocument.1">
                   <p:embed/>
                 </p:oleObj>
               </mc:Choice>
@@ -826,7 +826,7 @@
           <a:graphicData uri="http://schemas.openxmlformats.org/presentationml/2006/ole">
             <mc:AlternateContent xmlns:mc="http://schemas.openxmlformats.org/markup-compatibility/2006">
               <mc:Choice xmlns:v="urn:schemas-microsoft-com:vml" Requires="v">
-                <p:oleObj spid="_x0000_s1082" name="think-cell Slide" r:id="rId6" imgW="270" imgH="270" progId="TCLayout.ActiveDocument.1">
+                <p:oleObj spid="_x0000_s1085" name="think-cell Slide" r:id="rId6" imgW="270" imgH="270" progId="TCLayout.ActiveDocument.1">
                   <p:embed/>
                 </p:oleObj>
               </mc:Choice>
@@ -6720,8 +6720,8 @@
           </a:p>
         </p:txBody>
       </p:sp>
-      <mc:AlternateContent xmlns:mc="http://schemas.openxmlformats.org/markup-compatibility/2006" xmlns:a14="http://schemas.microsoft.com/office/drawing/2010/main">
-        <mc:Choice Requires="a14">
+      <mc:AlternateContent xmlns:mc="http://schemas.openxmlformats.org/markup-compatibility/2006">
+        <mc:Choice xmlns:a14="http://schemas.microsoft.com/office/drawing/2010/main" Requires="a14">
           <p:sp>
             <p:nvSpPr>
               <p:cNvPr id="135" name="文本框 134">
@@ -6809,8 +6809,9 @@
                               <m:r>
                                 <a:rPr kumimoji="1" lang="en-US" altLang="zh-Hans" b="0" i="1" smtClean="0">
                                   <a:latin typeface="Cambria Math" panose="02040503050406030204" pitchFamily="18" charset="0"/>
+                                  <a:ea typeface="Cambria Math" panose="02040503050406030204" pitchFamily="18" charset="0"/>
                                 </a:rPr>
-                                <m:t>1</m:t>
+                                <m:t>2</m:t>
                               </m:r>
                             </m:sub>
                           </m:sSub>
@@ -6824,7 +6825,7 @@
             </p:txBody>
           </p:sp>
         </mc:Choice>
-        <mc:Fallback xmlns="">
+        <mc:Fallback>
           <p:sp>
             <p:nvSpPr>
               <p:cNvPr id="135" name="文本框 134">
@@ -6869,8 +6870,8 @@
           </p:sp>
         </mc:Fallback>
       </mc:AlternateContent>
-      <mc:AlternateContent xmlns:mc="http://schemas.openxmlformats.org/markup-compatibility/2006" xmlns:a14="http://schemas.microsoft.com/office/drawing/2010/main">
-        <mc:Choice Requires="a14">
+      <mc:AlternateContent xmlns:mc="http://schemas.openxmlformats.org/markup-compatibility/2006">
+        <mc:Choice xmlns:a14="http://schemas.microsoft.com/office/drawing/2010/main" Requires="a14">
           <p:sp>
             <p:nvSpPr>
               <p:cNvPr id="136" name="文本框 135">
@@ -6886,7 +6887,7 @@
             <p:spPr>
               <a:xfrm>
                 <a:off x="5082109" y="1436868"/>
-                <a:ext cx="358175" cy="305020"/>
+                <a:ext cx="352917" cy="305020"/>
               </a:xfrm>
               <a:prstGeom prst="rect">
                 <a:avLst/>
@@ -6952,8 +6953,9 @@
                               <m:r>
                                 <a:rPr kumimoji="1" lang="en-US" altLang="zh-Hans" b="0" i="1" smtClean="0">
                                   <a:latin typeface="Cambria Math" panose="02040503050406030204" pitchFamily="18" charset="0"/>
+                                  <a:ea typeface="Cambria Math" panose="02040503050406030204" pitchFamily="18" charset="0"/>
                                 </a:rPr>
-                                <m:t>1</m:t>
+                                <m:t>2</m:t>
                               </m:r>
                             </m:sub>
                           </m:sSub>
@@ -6967,7 +6969,7 @@
             </p:txBody>
           </p:sp>
         </mc:Choice>
-        <mc:Fallback xmlns="">
+        <mc:Fallback>
           <p:sp>
             <p:nvSpPr>
               <p:cNvPr id="136" name="文本框 135">
@@ -6985,7 +6987,7 @@
             <p:spPr>
               <a:xfrm>
                 <a:off x="5082109" y="1436868"/>
-                <a:ext cx="358175" cy="305020"/>
+                <a:ext cx="352917" cy="305020"/>
               </a:xfrm>
               <a:prstGeom prst="rect">
                 <a:avLst/>
@@ -7366,8 +7368,8 @@
           </a:p>
         </p:txBody>
       </p:sp>
-      <mc:AlternateContent xmlns:mc="http://schemas.openxmlformats.org/markup-compatibility/2006" xmlns:a14="http://schemas.microsoft.com/office/drawing/2010/main">
-        <mc:Choice Requires="a14">
+      <mc:AlternateContent xmlns:mc="http://schemas.openxmlformats.org/markup-compatibility/2006">
+        <mc:Choice xmlns:a14="http://schemas.microsoft.com/office/drawing/2010/main" Requires="a14">
           <p:sp>
             <p:nvSpPr>
               <p:cNvPr id="143" name="文本框 142">
@@ -7383,7 +7385,7 @@
             <p:spPr>
               <a:xfrm>
                 <a:off x="6345118" y="1439308"/>
-                <a:ext cx="401189" cy="306431"/>
+                <a:ext cx="401189" cy="308354"/>
               </a:xfrm>
               <a:prstGeom prst="rect">
                 <a:avLst/>
@@ -7455,8 +7457,9 @@
                               <m:r>
                                 <a:rPr kumimoji="1" lang="en-US" altLang="zh-Hans" b="0" i="1" smtClean="0">
                                   <a:latin typeface="Cambria Math" panose="02040503050406030204" pitchFamily="18" charset="0"/>
+                                  <a:ea typeface="Cambria Math" panose="02040503050406030204" pitchFamily="18" charset="0"/>
                                 </a:rPr>
-                                <m:t>1</m:t>
+                                <m:t>3</m:t>
                               </m:r>
                             </m:sub>
                           </m:sSub>
@@ -7470,7 +7473,7 @@
             </p:txBody>
           </p:sp>
         </mc:Choice>
-        <mc:Fallback xmlns="">
+        <mc:Fallback>
           <p:sp>
             <p:nvSpPr>
               <p:cNvPr id="143" name="文本框 142">
@@ -7488,7 +7491,7 @@
             <p:spPr>
               <a:xfrm>
                 <a:off x="6345118" y="1439308"/>
-                <a:ext cx="401189" cy="306431"/>
+                <a:ext cx="401189" cy="308354"/>
               </a:xfrm>
               <a:prstGeom prst="rect">
                 <a:avLst/>
@@ -7496,7 +7499,7 @@
               <a:blipFill>
                 <a:blip r:embed="rId19"/>
                 <a:stretch>
-                  <a:fillRect l="-15625" r="-12500" b="-16000"/>
+                  <a:fillRect l="-15625" r="-12500" b="-15385"/>
                 </a:stretch>
               </a:blipFill>
             </p:spPr>
@@ -7515,8 +7518,8 @@
           </p:sp>
         </mc:Fallback>
       </mc:AlternateContent>
-      <mc:AlternateContent xmlns:mc="http://schemas.openxmlformats.org/markup-compatibility/2006" xmlns:a14="http://schemas.microsoft.com/office/drawing/2010/main">
-        <mc:Choice Requires="a14">
+      <mc:AlternateContent xmlns:mc="http://schemas.openxmlformats.org/markup-compatibility/2006">
+        <mc:Choice xmlns:a14="http://schemas.microsoft.com/office/drawing/2010/main" Requires="a14">
           <p:sp>
             <p:nvSpPr>
               <p:cNvPr id="144" name="文本框 143">
@@ -7532,7 +7535,7 @@
             <p:spPr>
               <a:xfrm>
                 <a:off x="6998636" y="1436868"/>
-                <a:ext cx="358175" cy="305020"/>
+                <a:ext cx="352917" cy="306944"/>
               </a:xfrm>
               <a:prstGeom prst="rect">
                 <a:avLst/>
@@ -7598,8 +7601,9 @@
                               <m:r>
                                 <a:rPr kumimoji="1" lang="en-US" altLang="zh-Hans" b="0" i="1" smtClean="0">
                                   <a:latin typeface="Cambria Math" panose="02040503050406030204" pitchFamily="18" charset="0"/>
+                                  <a:ea typeface="Cambria Math" panose="02040503050406030204" pitchFamily="18" charset="0"/>
                                 </a:rPr>
-                                <m:t>1</m:t>
+                                <m:t>3</m:t>
                               </m:r>
                             </m:sub>
                           </m:sSub>
@@ -7613,7 +7617,7 @@
             </p:txBody>
           </p:sp>
         </mc:Choice>
-        <mc:Fallback xmlns="">
+        <mc:Fallback>
           <p:sp>
             <p:nvSpPr>
               <p:cNvPr id="144" name="文本框 143">
@@ -7631,7 +7635,7 @@
             <p:spPr>
               <a:xfrm>
                 <a:off x="6998636" y="1436868"/>
-                <a:ext cx="358175" cy="305020"/>
+                <a:ext cx="352917" cy="306944"/>
               </a:xfrm>
               <a:prstGeom prst="rect">
                 <a:avLst/>
@@ -7639,7 +7643,7 @@
               <a:blipFill>
                 <a:blip r:embed="rId20"/>
                 <a:stretch>
-                  <a:fillRect l="-6897" b="-12000"/>
+                  <a:fillRect l="-6897" b="-16000"/>
                 </a:stretch>
               </a:blipFill>
             </p:spPr>
@@ -8012,8 +8016,8 @@
           </a:p>
         </p:txBody>
       </p:sp>
-      <mc:AlternateContent xmlns:mc="http://schemas.openxmlformats.org/markup-compatibility/2006" xmlns:a14="http://schemas.microsoft.com/office/drawing/2010/main">
-        <mc:Choice Requires="a14">
+      <mc:AlternateContent xmlns:mc="http://schemas.openxmlformats.org/markup-compatibility/2006">
+        <mc:Choice xmlns:a14="http://schemas.microsoft.com/office/drawing/2010/main" Requires="a14">
           <p:sp>
             <p:nvSpPr>
               <p:cNvPr id="151" name="文本框 150">
@@ -8101,8 +8105,9 @@
                               <m:r>
                                 <a:rPr kumimoji="1" lang="en-US" altLang="zh-Hans" b="0" i="1" smtClean="0">
                                   <a:latin typeface="Cambria Math" panose="02040503050406030204" pitchFamily="18" charset="0"/>
+                                  <a:ea typeface="Cambria Math" panose="02040503050406030204" pitchFamily="18" charset="0"/>
                                 </a:rPr>
-                                <m:t>1</m:t>
+                                <m:t>4</m:t>
                               </m:r>
                             </m:sub>
                           </m:sSub>
@@ -8116,7 +8121,7 @@
             </p:txBody>
           </p:sp>
         </mc:Choice>
-        <mc:Fallback xmlns="">
+        <mc:Fallback>
           <p:sp>
             <p:nvSpPr>
               <p:cNvPr id="151" name="文本框 150">
@@ -8161,8 +8166,8 @@
           </p:sp>
         </mc:Fallback>
       </mc:AlternateContent>
-      <mc:AlternateContent xmlns:mc="http://schemas.openxmlformats.org/markup-compatibility/2006" xmlns:a14="http://schemas.microsoft.com/office/drawing/2010/main">
-        <mc:Choice Requires="a14">
+      <mc:AlternateContent xmlns:mc="http://schemas.openxmlformats.org/markup-compatibility/2006">
+        <mc:Choice xmlns:a14="http://schemas.microsoft.com/office/drawing/2010/main" Requires="a14">
           <p:sp>
             <p:nvSpPr>
               <p:cNvPr id="152" name="文本框 151">
@@ -8178,7 +8183,7 @@
             <p:spPr>
               <a:xfrm>
                 <a:off x="8910559" y="1427278"/>
-                <a:ext cx="358175" cy="305020"/>
+                <a:ext cx="352917" cy="305020"/>
               </a:xfrm>
               <a:prstGeom prst="rect">
                 <a:avLst/>
@@ -8244,8 +8249,9 @@
                               <m:r>
                                 <a:rPr kumimoji="1" lang="en-US" altLang="zh-Hans" b="0" i="1" smtClean="0">
                                   <a:latin typeface="Cambria Math" panose="02040503050406030204" pitchFamily="18" charset="0"/>
+                                  <a:ea typeface="Cambria Math" panose="02040503050406030204" pitchFamily="18" charset="0"/>
                                 </a:rPr>
-                                <m:t>1</m:t>
+                                <m:t>4</m:t>
                               </m:r>
                             </m:sub>
                           </m:sSub>
@@ -8259,7 +8265,7 @@
             </p:txBody>
           </p:sp>
         </mc:Choice>
-        <mc:Fallback xmlns="">
+        <mc:Fallback>
           <p:sp>
             <p:nvSpPr>
               <p:cNvPr id="152" name="文本框 151">
@@ -8277,7 +8283,7 @@
             <p:spPr>
               <a:xfrm>
                 <a:off x="8910559" y="1427278"/>
-                <a:ext cx="358175" cy="305020"/>
+                <a:ext cx="352917" cy="305020"/>
               </a:xfrm>
               <a:prstGeom prst="rect">
                 <a:avLst/>
@@ -8285,7 +8291,7 @@
               <a:blipFill>
                 <a:blip r:embed="rId22"/>
                 <a:stretch>
-                  <a:fillRect l="-6897" b="-12000"/>
+                  <a:fillRect l="-10714" b="-12000"/>
                 </a:stretch>
               </a:blipFill>
             </p:spPr>
